--- a/docu/FirstGUIDraft_DeFiPortfolioMgmt.pptx
+++ b/docu/FirstGUIDraft_DeFiPortfolioMgmt.pptx
@@ -5,9 +5,9 @@
     <p:sldMasterId id="2147483648" r:id="rId1"/>
   </p:sldMasterIdLst>
   <p:sldIdLst>
-    <p:sldId id="256" r:id="rId2"/>
-    <p:sldId id="257" r:id="rId3"/>
-    <p:sldId id="258" r:id="rId4"/>
+    <p:sldId id="258" r:id="rId2"/>
+    <p:sldId id="256" r:id="rId3"/>
+    <p:sldId id="257" r:id="rId4"/>
   </p:sldIdLst>
   <p:sldSz cx="12192000" cy="6858000"/>
   <p:notesSz cx="6858000" cy="9144000"/>
@@ -261,7 +261,7 @@
           <a:p>
             <a:fld id="{EECF5F79-9D0D-4FFC-BF8A-910D06E4C3C3}" type="datetimeFigureOut">
               <a:rPr lang="de-DE" smtClean="0"/>
-              <a:t>28.01.2021</a:t>
+              <a:t>30.01.2021</a:t>
             </a:fld>
             <a:endParaRPr lang="de-DE"/>
           </a:p>
@@ -459,7 +459,7 @@
           <a:p>
             <a:fld id="{EECF5F79-9D0D-4FFC-BF8A-910D06E4C3C3}" type="datetimeFigureOut">
               <a:rPr lang="de-DE" smtClean="0"/>
-              <a:t>28.01.2021</a:t>
+              <a:t>30.01.2021</a:t>
             </a:fld>
             <a:endParaRPr lang="de-DE"/>
           </a:p>
@@ -667,7 +667,7 @@
           <a:p>
             <a:fld id="{EECF5F79-9D0D-4FFC-BF8A-910D06E4C3C3}" type="datetimeFigureOut">
               <a:rPr lang="de-DE" smtClean="0"/>
-              <a:t>28.01.2021</a:t>
+              <a:t>30.01.2021</a:t>
             </a:fld>
             <a:endParaRPr lang="de-DE"/>
           </a:p>
@@ -865,7 +865,7 @@
           <a:p>
             <a:fld id="{EECF5F79-9D0D-4FFC-BF8A-910D06E4C3C3}" type="datetimeFigureOut">
               <a:rPr lang="de-DE" smtClean="0"/>
-              <a:t>28.01.2021</a:t>
+              <a:t>30.01.2021</a:t>
             </a:fld>
             <a:endParaRPr lang="de-DE"/>
           </a:p>
@@ -1140,7 +1140,7 @@
           <a:p>
             <a:fld id="{EECF5F79-9D0D-4FFC-BF8A-910D06E4C3C3}" type="datetimeFigureOut">
               <a:rPr lang="de-DE" smtClean="0"/>
-              <a:t>28.01.2021</a:t>
+              <a:t>30.01.2021</a:t>
             </a:fld>
             <a:endParaRPr lang="de-DE"/>
           </a:p>
@@ -1405,7 +1405,7 @@
           <a:p>
             <a:fld id="{EECF5F79-9D0D-4FFC-BF8A-910D06E4C3C3}" type="datetimeFigureOut">
               <a:rPr lang="de-DE" smtClean="0"/>
-              <a:t>28.01.2021</a:t>
+              <a:t>30.01.2021</a:t>
             </a:fld>
             <a:endParaRPr lang="de-DE"/>
           </a:p>
@@ -1817,7 +1817,7 @@
           <a:p>
             <a:fld id="{EECF5F79-9D0D-4FFC-BF8A-910D06E4C3C3}" type="datetimeFigureOut">
               <a:rPr lang="de-DE" smtClean="0"/>
-              <a:t>28.01.2021</a:t>
+              <a:t>30.01.2021</a:t>
             </a:fld>
             <a:endParaRPr lang="de-DE"/>
           </a:p>
@@ -1958,7 +1958,7 @@
           <a:p>
             <a:fld id="{EECF5F79-9D0D-4FFC-BF8A-910D06E4C3C3}" type="datetimeFigureOut">
               <a:rPr lang="de-DE" smtClean="0"/>
-              <a:t>28.01.2021</a:t>
+              <a:t>30.01.2021</a:t>
             </a:fld>
             <a:endParaRPr lang="de-DE"/>
           </a:p>
@@ -2071,7 +2071,7 @@
           <a:p>
             <a:fld id="{EECF5F79-9D0D-4FFC-BF8A-910D06E4C3C3}" type="datetimeFigureOut">
               <a:rPr lang="de-DE" smtClean="0"/>
-              <a:t>28.01.2021</a:t>
+              <a:t>30.01.2021</a:t>
             </a:fld>
             <a:endParaRPr lang="de-DE"/>
           </a:p>
@@ -2382,7 +2382,7 @@
           <a:p>
             <a:fld id="{EECF5F79-9D0D-4FFC-BF8A-910D06E4C3C3}" type="datetimeFigureOut">
               <a:rPr lang="de-DE" smtClean="0"/>
-              <a:t>28.01.2021</a:t>
+              <a:t>30.01.2021</a:t>
             </a:fld>
             <a:endParaRPr lang="de-DE"/>
           </a:p>
@@ -2670,7 +2670,7 @@
           <a:p>
             <a:fld id="{EECF5F79-9D0D-4FFC-BF8A-910D06E4C3C3}" type="datetimeFigureOut">
               <a:rPr lang="de-DE" smtClean="0"/>
-              <a:t>28.01.2021</a:t>
+              <a:t>30.01.2021</a:t>
             </a:fld>
             <a:endParaRPr lang="de-DE"/>
           </a:p>
@@ -2911,7 +2911,7 @@
           <a:p>
             <a:fld id="{EECF5F79-9D0D-4FFC-BF8A-910D06E4C3C3}" type="datetimeFigureOut">
               <a:rPr lang="de-DE" smtClean="0"/>
-              <a:t>28.01.2021</a:t>
+              <a:t>30.01.2021</a:t>
             </a:fld>
             <a:endParaRPr lang="de-DE"/>
           </a:p>
@@ -3342,12 +3342,15 @@
         </p:nvSpPr>
         <p:spPr>
           <a:xfrm>
-            <a:off x="1237747" y="1974682"/>
+            <a:off x="3349791" y="1901628"/>
             <a:ext cx="1828800" cy="428625"/>
           </a:xfrm>
           <a:prstGeom prst="rect">
             <a:avLst/>
           </a:prstGeom>
+          <a:solidFill>
+            <a:schemeClr val="bg1"/>
+          </a:solidFill>
         </p:spPr>
         <p:style>
           <a:lnRef idx="2">
@@ -3371,10 +3374,18 @@
           <a:p>
             <a:pPr algn="ctr"/>
             <a:r>
-              <a:rPr lang="de-DE" dirty="0" err="1"/>
+              <a:rPr lang="de-DE" dirty="0" err="1">
+                <a:solidFill>
+                  <a:schemeClr val="tx1"/>
+                </a:solidFill>
+              </a:rPr>
               <a:t>Rewards</a:t>
             </a:r>
-            <a:endParaRPr lang="de-DE" dirty="0"/>
+            <a:endParaRPr lang="de-DE" dirty="0">
+              <a:solidFill>
+                <a:schemeClr val="tx1"/>
+              </a:solidFill>
+            </a:endParaRPr>
           </a:p>
         </p:txBody>
       </p:sp>
@@ -3392,7 +3403,7 @@
         </p:nvSpPr>
         <p:spPr>
           <a:xfrm>
-            <a:off x="3186863" y="1974682"/>
+            <a:off x="5298907" y="1901628"/>
             <a:ext cx="1828800" cy="428625"/>
           </a:xfrm>
           <a:prstGeom prst="rect">
@@ -3426,14 +3437,14 @@
             <a:r>
               <a:rPr lang="de-DE" dirty="0" err="1">
                 <a:solidFill>
-                  <a:sysClr val="windowText" lastClr="000000"/>
+                  <a:schemeClr val="tx1"/>
                 </a:solidFill>
               </a:rPr>
               <a:t>Commission</a:t>
             </a:r>
             <a:endParaRPr lang="de-DE" dirty="0">
               <a:solidFill>
-                <a:sysClr val="windowText" lastClr="000000"/>
+                <a:schemeClr val="tx1"/>
               </a:solidFill>
             </a:endParaRPr>
           </a:p>
@@ -3453,7 +3464,7 @@
         </p:nvSpPr>
         <p:spPr>
           <a:xfrm>
-            <a:off x="1237747" y="2470484"/>
+            <a:off x="1325980" y="2446421"/>
             <a:ext cx="5997241" cy="4195010"/>
           </a:xfrm>
           <a:prstGeom prst="rect">
@@ -3484,10 +3495,7 @@
           <a:lstStyle/>
           <a:p>
             <a:pPr algn="ctr"/>
-            <a:r>
-              <a:rPr lang="de-DE" dirty="0"/>
-              <a:t>a</a:t>
-            </a:r>
+            <a:endParaRPr lang="de-DE"/>
           </a:p>
         </p:txBody>
       </p:sp>
@@ -3500,13 +3508,15 @@
               </a:ext>
             </a:extLst>
           </p:cNvPr>
-          <p:cNvCxnSpPr/>
+          <p:cNvCxnSpPr>
+            <a:cxnSpLocks/>
+          </p:cNvCxnSpPr>
           <p:nvPr/>
         </p:nvCxnSpPr>
         <p:spPr>
           <a:xfrm flipV="1">
-            <a:off x="1732546" y="2975810"/>
-            <a:ext cx="0" cy="3048000"/>
+            <a:off x="1820779" y="2951747"/>
+            <a:ext cx="0" cy="2967790"/>
           </a:xfrm>
           <a:prstGeom prst="straightConnector1">
             <a:avLst/>
@@ -3544,7 +3554,7 @@
         </p:nvCxnSpPr>
         <p:spPr>
           <a:xfrm>
-            <a:off x="1556083" y="5710989"/>
+            <a:off x="1676400" y="5731041"/>
             <a:ext cx="4836695" cy="0"/>
           </a:xfrm>
           <a:prstGeom prst="straightConnector1">
@@ -3583,7 +3593,7 @@
         </p:nvSpPr>
         <p:spPr>
           <a:xfrm>
-            <a:off x="3363327" y="192506"/>
+            <a:off x="3349792" y="125329"/>
             <a:ext cx="1652337" cy="320842"/>
           </a:xfrm>
           <a:prstGeom prst="rect">
@@ -3639,7 +3649,7 @@
         </p:nvSpPr>
         <p:spPr>
           <a:xfrm>
-            <a:off x="3363327" y="651210"/>
+            <a:off x="3349792" y="584033"/>
             <a:ext cx="1652337" cy="320842"/>
           </a:xfrm>
           <a:prstGeom prst="rect">
@@ -3700,7 +3710,7 @@
         </p:nvSpPr>
         <p:spPr>
           <a:xfrm>
-            <a:off x="1339515" y="135995"/>
+            <a:off x="1325980" y="68818"/>
             <a:ext cx="2023812" cy="369332"/>
           </a:xfrm>
           <a:prstGeom prst="rect">
@@ -3743,7 +3753,7 @@
         </p:nvSpPr>
         <p:spPr>
           <a:xfrm>
-            <a:off x="1339515" y="633301"/>
+            <a:off x="1325980" y="566124"/>
             <a:ext cx="2023812" cy="369332"/>
           </a:xfrm>
           <a:prstGeom prst="rect">
@@ -3786,7 +3796,7 @@
         </p:nvSpPr>
         <p:spPr>
           <a:xfrm>
-            <a:off x="3363326" y="1090863"/>
+            <a:off x="3349791" y="1023686"/>
             <a:ext cx="1652337" cy="320842"/>
           </a:xfrm>
           <a:prstGeom prst="rect">
@@ -3818,13 +3828,34 @@
           <a:p>
             <a:pPr algn="ctr"/>
             <a:r>
-              <a:rPr lang="de-DE" dirty="0">
+              <a:rPr lang="de-DE" sz="1600" dirty="0">
                 <a:solidFill>
                   <a:schemeClr val="tx1"/>
                 </a:solidFill>
               </a:rPr>
-              <a:t>Crypto</a:t>
-            </a:r>
+              <a:t>Crypto / EUR </a:t>
+            </a:r>
+            <a:r>
+              <a:rPr lang="de-DE" sz="1600" dirty="0" err="1">
+                <a:solidFill>
+                  <a:schemeClr val="tx1"/>
+                </a:solidFill>
+              </a:rPr>
+              <a:t>etc</a:t>
+            </a:r>
+            <a:r>
+              <a:rPr lang="de-DE" sz="1600" dirty="0">
+                <a:solidFill>
+                  <a:schemeClr val="tx1"/>
+                </a:solidFill>
+              </a:rPr>
+              <a:t> </a:t>
+            </a:r>
+            <a:endParaRPr lang="de-DE" dirty="0">
+              <a:solidFill>
+                <a:schemeClr val="tx1"/>
+              </a:solidFill>
+            </a:endParaRPr>
           </a:p>
         </p:txBody>
       </p:sp>
@@ -3842,7 +3873,7 @@
         </p:nvSpPr>
         <p:spPr>
           <a:xfrm>
-            <a:off x="1403683" y="1042373"/>
+            <a:off x="1390148" y="975196"/>
             <a:ext cx="2023812" cy="369332"/>
           </a:xfrm>
           <a:prstGeom prst="rect">
@@ -3865,10 +3896,10 @@
       </p:sp>
       <p:sp>
         <p:nvSpPr>
-          <p:cNvPr id="17" name="Textfeld 16">
-            <a:extLst>
-              <a:ext uri="{FF2B5EF4-FFF2-40B4-BE49-F238E27FC236}">
-                <a16:creationId xmlns:a16="http://schemas.microsoft.com/office/drawing/2014/main" id="{B2D871BD-72BC-44D3-9196-B54483A18E6F}"/>
+          <p:cNvPr id="3" name="Textfeld 2">
+            <a:extLst>
+              <a:ext uri="{FF2B5EF4-FFF2-40B4-BE49-F238E27FC236}">
+                <a16:creationId xmlns:a16="http://schemas.microsoft.com/office/drawing/2014/main" id="{8AD6803B-AB68-4DEF-B1C3-BD3AAFB7DE62}"/>
               </a:ext>
             </a:extLst>
           </p:cNvPr>
@@ -3877,8 +3908,8 @@
         </p:nvSpPr>
         <p:spPr>
           <a:xfrm>
-            <a:off x="1315450" y="2767263"/>
-            <a:ext cx="729910" cy="369332"/>
+            <a:off x="1390148" y="2560540"/>
+            <a:ext cx="2253917" cy="369332"/>
           </a:xfrm>
           <a:prstGeom prst="rect">
             <a:avLst/>
@@ -3893,17 +3924,25 @@
           <a:p>
             <a:r>
               <a:rPr lang="de-DE" dirty="0"/>
-              <a:t>DFI</a:t>
-            </a:r>
-          </a:p>
-        </p:txBody>
-      </p:sp>
-      <p:sp>
-        <p:nvSpPr>
-          <p:cNvPr id="18" name="Rechteck 17">
-            <a:extLst>
-              <a:ext uri="{FF2B5EF4-FFF2-40B4-BE49-F238E27FC236}">
-                <a16:creationId xmlns:a16="http://schemas.microsoft.com/office/drawing/2014/main" id="{DC538A33-AA41-4EB8-BBAE-D7B6942F0772}"/>
+              <a:t>EUR (</a:t>
+            </a:r>
+            <a:r>
+              <a:rPr lang="de-DE" dirty="0" err="1"/>
+              <a:t>prefered</a:t>
+            </a:r>
+            <a:r>
+              <a:rPr lang="de-DE" dirty="0"/>
+              <a:t> FIAT)</a:t>
+            </a:r>
+          </a:p>
+        </p:txBody>
+      </p:sp>
+      <p:sp>
+        <p:nvSpPr>
+          <p:cNvPr id="20" name="Rechteck 19">
+            <a:extLst>
+              <a:ext uri="{FF2B5EF4-FFF2-40B4-BE49-F238E27FC236}">
+                <a16:creationId xmlns:a16="http://schemas.microsoft.com/office/drawing/2014/main" id="{46057037-D52F-47CE-82D1-266E6B0B45D9}"/>
               </a:ext>
             </a:extLst>
           </p:cNvPr>
@@ -3912,8 +3951,8 @@
         </p:nvSpPr>
         <p:spPr>
           <a:xfrm>
-            <a:off x="3363326" y="1515980"/>
-            <a:ext cx="1652337" cy="320842"/>
+            <a:off x="7515726" y="2446421"/>
+            <a:ext cx="4577515" cy="4195010"/>
           </a:xfrm>
           <a:prstGeom prst="rect">
             <a:avLst/>
@@ -3943,6 +3982,98 @@
           <a:lstStyle/>
           <a:p>
             <a:pPr algn="ctr"/>
+            <a:endParaRPr lang="de-DE"/>
+          </a:p>
+        </p:txBody>
+      </p:sp>
+      <p:sp>
+        <p:nvSpPr>
+          <p:cNvPr id="7" name="Textfeld 6">
+            <a:extLst>
+              <a:ext uri="{FF2B5EF4-FFF2-40B4-BE49-F238E27FC236}">
+                <a16:creationId xmlns:a16="http://schemas.microsoft.com/office/drawing/2014/main" id="{818AD98D-E952-493F-A4D6-54DB72EAC8BF}"/>
+              </a:ext>
+            </a:extLst>
+          </p:cNvPr>
+          <p:cNvSpPr txBox="1"/>
+          <p:nvPr/>
+        </p:nvSpPr>
+        <p:spPr>
+          <a:xfrm>
+            <a:off x="7625515" y="2654968"/>
+            <a:ext cx="4467726" cy="307777"/>
+          </a:xfrm>
+          <a:prstGeom prst="rect">
+            <a:avLst/>
+          </a:prstGeom>
+          <a:noFill/>
+        </p:spPr>
+        <p:txBody>
+          <a:bodyPr wrap="square" rtlCol="0">
+            <a:spAutoFit/>
+          </a:bodyPr>
+          <a:lstStyle/>
+          <a:p>
+            <a:r>
+              <a:rPr lang="de-DE" sz="1400" dirty="0"/>
+              <a:t>Date | Total in Fiat | </a:t>
+            </a:r>
+            <a:r>
+              <a:rPr lang="de-DE" sz="1400" dirty="0" err="1"/>
+              <a:t>Reward</a:t>
+            </a:r>
+            <a:r>
+              <a:rPr lang="de-DE" sz="1400" dirty="0"/>
+              <a:t> | Commission1 | Commision2</a:t>
+            </a:r>
+          </a:p>
+        </p:txBody>
+      </p:sp>
+      <p:sp>
+        <p:nvSpPr>
+          <p:cNvPr id="21" name="Rechteck 20">
+            <a:extLst>
+              <a:ext uri="{FF2B5EF4-FFF2-40B4-BE49-F238E27FC236}">
+                <a16:creationId xmlns:a16="http://schemas.microsoft.com/office/drawing/2014/main" id="{369BFB61-CDDD-46B8-8972-D4BA5B0A81C5}"/>
+              </a:ext>
+            </a:extLst>
+          </p:cNvPr>
+          <p:cNvSpPr/>
+          <p:nvPr/>
+        </p:nvSpPr>
+        <p:spPr>
+          <a:xfrm>
+            <a:off x="3349792" y="1457143"/>
+            <a:ext cx="1652337" cy="320842"/>
+          </a:xfrm>
+          <a:prstGeom prst="rect">
+            <a:avLst/>
+          </a:prstGeom>
+          <a:solidFill>
+            <a:schemeClr val="bg1"/>
+          </a:solidFill>
+        </p:spPr>
+        <p:style>
+          <a:lnRef idx="2">
+            <a:schemeClr val="accent1">
+              <a:shade val="50000"/>
+            </a:schemeClr>
+          </a:lnRef>
+          <a:fillRef idx="1">
+            <a:schemeClr val="accent1"/>
+          </a:fillRef>
+          <a:effectRef idx="0">
+            <a:schemeClr val="accent1"/>
+          </a:effectRef>
+          <a:fontRef idx="minor">
+            <a:schemeClr val="lt1"/>
+          </a:fontRef>
+        </p:style>
+        <p:txBody>
+          <a:bodyPr rtlCol="0" anchor="ctr"/>
+          <a:lstStyle/>
+          <a:p>
+            <a:pPr algn="ctr"/>
             <a:r>
               <a:rPr lang="de-DE" sz="1200" dirty="0" err="1">
                 <a:solidFill>
@@ -3964,10 +4095,10 @@
       </p:sp>
       <p:sp>
         <p:nvSpPr>
-          <p:cNvPr id="19" name="Textfeld 18">
-            <a:extLst>
-              <a:ext uri="{FF2B5EF4-FFF2-40B4-BE49-F238E27FC236}">
-                <a16:creationId xmlns:a16="http://schemas.microsoft.com/office/drawing/2014/main" id="{5A2FF872-68F1-4FBF-95B2-6A8EC9A6B84B}"/>
+          <p:cNvPr id="22" name="Textfeld 21">
+            <a:extLst>
+              <a:ext uri="{FF2B5EF4-FFF2-40B4-BE49-F238E27FC236}">
+                <a16:creationId xmlns:a16="http://schemas.microsoft.com/office/drawing/2014/main" id="{FEAFAC05-7E30-4EF6-AC7D-C544A952D815}"/>
               </a:ext>
             </a:extLst>
           </p:cNvPr>
@@ -3976,7 +4107,7 @@
         </p:nvSpPr>
         <p:spPr>
           <a:xfrm>
-            <a:off x="1403683" y="1467490"/>
+            <a:off x="1390149" y="1408653"/>
             <a:ext cx="2023812" cy="369332"/>
           </a:xfrm>
           <a:prstGeom prst="rect">
@@ -3997,10 +4128,60 @@
           </a:p>
         </p:txBody>
       </p:sp>
+      <p:sp>
+        <p:nvSpPr>
+          <p:cNvPr id="23" name="Rechteck 22">
+            <a:extLst>
+              <a:ext uri="{FF2B5EF4-FFF2-40B4-BE49-F238E27FC236}">
+                <a16:creationId xmlns:a16="http://schemas.microsoft.com/office/drawing/2014/main" id="{34AA01BC-BCD5-43FD-B1F1-2007C6863594}"/>
+              </a:ext>
+            </a:extLst>
+          </p:cNvPr>
+          <p:cNvSpPr/>
+          <p:nvPr/>
+        </p:nvSpPr>
+        <p:spPr>
+          <a:xfrm>
+            <a:off x="1390148" y="1914866"/>
+            <a:ext cx="1828800" cy="428625"/>
+          </a:xfrm>
+          <a:prstGeom prst="rect">
+            <a:avLst/>
+          </a:prstGeom>
+        </p:spPr>
+        <p:style>
+          <a:lnRef idx="2">
+            <a:schemeClr val="accent1">
+              <a:shade val="50000"/>
+            </a:schemeClr>
+          </a:lnRef>
+          <a:fillRef idx="1">
+            <a:schemeClr val="accent1"/>
+          </a:fillRef>
+          <a:effectRef idx="0">
+            <a:schemeClr val="accent1"/>
+          </a:effectRef>
+          <a:fontRef idx="minor">
+            <a:schemeClr val="lt1"/>
+          </a:fontRef>
+        </p:style>
+        <p:txBody>
+          <a:bodyPr rtlCol="0" anchor="ctr"/>
+          <a:lstStyle/>
+          <a:p>
+            <a:pPr algn="ctr"/>
+            <a:r>
+              <a:rPr lang="de-DE" dirty="0" err="1"/>
+              <a:t>Overview</a:t>
+            </a:r>
+            <a:endParaRPr lang="de-DE" dirty="0"/>
+          </a:p>
+        </p:txBody>
+      </p:sp>
     </p:spTree>
     <p:extLst>
       <p:ext uri="{BB962C8B-B14F-4D97-AF65-F5344CB8AC3E}">
-        <p14:creationId xmlns:p14="http://schemas.microsoft.com/office/powerpoint/2010/main" val="3697001217"/>
+        <p14:creationId xmlns:p14="http://schemas.microsoft.com/office/powerpoint/2010/main" val="3848512076"/>
       </p:ext>
     </p:extLst>
   </p:cSld>
@@ -4029,10 +4210,10 @@
       </p:grpSpPr>
       <p:sp>
         <p:nvSpPr>
-          <p:cNvPr id="4" name="Rechteck 3">
-            <a:extLst>
-              <a:ext uri="{FF2B5EF4-FFF2-40B4-BE49-F238E27FC236}">
-                <a16:creationId xmlns:a16="http://schemas.microsoft.com/office/drawing/2014/main" id="{673FE961-2051-4B69-8A4A-C188F7E9BC23}"/>
+          <p:cNvPr id="6" name="Rechteck 5">
+            <a:extLst>
+              <a:ext uri="{FF2B5EF4-FFF2-40B4-BE49-F238E27FC236}">
+                <a16:creationId xmlns:a16="http://schemas.microsoft.com/office/drawing/2014/main" id="{5016024F-12ED-4891-A638-387403392168}"/>
               </a:ext>
             </a:extLst>
           </p:cNvPr>
@@ -4041,8 +4222,8 @@
         </p:nvSpPr>
         <p:spPr>
           <a:xfrm>
-            <a:off x="1325980" y="1934008"/>
-            <a:ext cx="1828800" cy="428625"/>
+            <a:off x="1237747" y="2470484"/>
+            <a:ext cx="5997241" cy="4195010"/>
           </a:xfrm>
           <a:prstGeom prst="rect">
             <a:avLst/>
@@ -4073,117 +4254,9 @@
           <a:p>
             <a:pPr algn="ctr"/>
             <a:r>
-              <a:rPr lang="de-DE" dirty="0" err="1">
-                <a:solidFill>
-                  <a:schemeClr val="tx1"/>
-                </a:solidFill>
-              </a:rPr>
-              <a:t>Rewards</a:t>
-            </a:r>
-            <a:endParaRPr lang="de-DE" dirty="0">
-              <a:solidFill>
-                <a:schemeClr val="tx1"/>
-              </a:solidFill>
-            </a:endParaRPr>
-          </a:p>
-        </p:txBody>
-      </p:sp>
-      <p:sp>
-        <p:nvSpPr>
-          <p:cNvPr id="5" name="Rechteck 4">
-            <a:extLst>
-              <a:ext uri="{FF2B5EF4-FFF2-40B4-BE49-F238E27FC236}">
-                <a16:creationId xmlns:a16="http://schemas.microsoft.com/office/drawing/2014/main" id="{07EA9E11-D2CC-4340-B7DE-5D714CDA36E2}"/>
-              </a:ext>
-            </a:extLst>
-          </p:cNvPr>
-          <p:cNvSpPr/>
-          <p:nvPr/>
-        </p:nvSpPr>
-        <p:spPr>
-          <a:xfrm>
-            <a:off x="3275096" y="1934008"/>
-            <a:ext cx="1828800" cy="428625"/>
-          </a:xfrm>
-          <a:prstGeom prst="rect">
-            <a:avLst/>
-          </a:prstGeom>
-        </p:spPr>
-        <p:style>
-          <a:lnRef idx="2">
-            <a:schemeClr val="accent1">
-              <a:shade val="50000"/>
-            </a:schemeClr>
-          </a:lnRef>
-          <a:fillRef idx="1">
-            <a:schemeClr val="accent1"/>
-          </a:fillRef>
-          <a:effectRef idx="0">
-            <a:schemeClr val="accent1"/>
-          </a:effectRef>
-          <a:fontRef idx="minor">
-            <a:schemeClr val="lt1"/>
-          </a:fontRef>
-        </p:style>
-        <p:txBody>
-          <a:bodyPr rtlCol="0" anchor="ctr"/>
-          <a:lstStyle/>
-          <a:p>
-            <a:pPr algn="ctr"/>
-            <a:r>
-              <a:rPr lang="de-DE" dirty="0" err="1"/>
-              <a:t>Commission</a:t>
-            </a:r>
-            <a:endParaRPr lang="de-DE" dirty="0"/>
-          </a:p>
-        </p:txBody>
-      </p:sp>
-      <p:sp>
-        <p:nvSpPr>
-          <p:cNvPr id="6" name="Rechteck 5">
-            <a:extLst>
-              <a:ext uri="{FF2B5EF4-FFF2-40B4-BE49-F238E27FC236}">
-                <a16:creationId xmlns:a16="http://schemas.microsoft.com/office/drawing/2014/main" id="{5016024F-12ED-4891-A638-387403392168}"/>
-              </a:ext>
-            </a:extLst>
-          </p:cNvPr>
-          <p:cNvSpPr/>
-          <p:nvPr/>
-        </p:nvSpPr>
-        <p:spPr>
-          <a:xfrm>
-            <a:off x="1325980" y="2446421"/>
-            <a:ext cx="5997241" cy="4195010"/>
-          </a:xfrm>
-          <a:prstGeom prst="rect">
-            <a:avLst/>
-          </a:prstGeom>
-          <a:solidFill>
-            <a:schemeClr val="bg1"/>
-          </a:solidFill>
-        </p:spPr>
-        <p:style>
-          <a:lnRef idx="2">
-            <a:schemeClr val="accent1">
-              <a:shade val="50000"/>
-            </a:schemeClr>
-          </a:lnRef>
-          <a:fillRef idx="1">
-            <a:schemeClr val="accent1"/>
-          </a:fillRef>
-          <a:effectRef idx="0">
-            <a:schemeClr val="accent1"/>
-          </a:effectRef>
-          <a:fontRef idx="minor">
-            <a:schemeClr val="lt1"/>
-          </a:fontRef>
-        </p:style>
-        <p:txBody>
-          <a:bodyPr rtlCol="0" anchor="ctr"/>
-          <a:lstStyle/>
-          <a:p>
-            <a:pPr algn="ctr"/>
-            <a:endParaRPr lang="de-DE"/>
+              <a:rPr lang="de-DE" dirty="0"/>
+              <a:t>a</a:t>
+            </a:r>
           </a:p>
         </p:txBody>
       </p:sp>
@@ -4196,15 +4269,13 @@
               </a:ext>
             </a:extLst>
           </p:cNvPr>
-          <p:cNvCxnSpPr>
-            <a:cxnSpLocks/>
-          </p:cNvCxnSpPr>
+          <p:cNvCxnSpPr/>
           <p:nvPr/>
         </p:nvCxnSpPr>
         <p:spPr>
           <a:xfrm flipV="1">
-            <a:off x="1820779" y="2951747"/>
-            <a:ext cx="0" cy="1114926"/>
+            <a:off x="1732546" y="2975810"/>
+            <a:ext cx="0" cy="3048000"/>
           </a:xfrm>
           <a:prstGeom prst="straightConnector1">
             <a:avLst/>
@@ -4242,7 +4313,7 @@
         </p:nvCxnSpPr>
         <p:spPr>
           <a:xfrm>
-            <a:off x="1628274" y="3814010"/>
+            <a:off x="1556083" y="5710989"/>
             <a:ext cx="4836695" cy="0"/>
           </a:xfrm>
           <a:prstGeom prst="straightConnector1">
@@ -4281,7 +4352,7 @@
         </p:nvSpPr>
         <p:spPr>
           <a:xfrm>
-            <a:off x="3349792" y="125329"/>
+            <a:off x="3363327" y="192506"/>
             <a:ext cx="1652337" cy="320842"/>
           </a:xfrm>
           <a:prstGeom prst="rect">
@@ -4337,7 +4408,7 @@
         </p:nvSpPr>
         <p:spPr>
           <a:xfrm>
-            <a:off x="3349792" y="584033"/>
+            <a:off x="3363327" y="651210"/>
             <a:ext cx="1652337" cy="320842"/>
           </a:xfrm>
           <a:prstGeom prst="rect">
@@ -4398,7 +4469,7 @@
         </p:nvSpPr>
         <p:spPr>
           <a:xfrm>
-            <a:off x="1325980" y="68818"/>
+            <a:off x="1339515" y="135995"/>
             <a:ext cx="2023812" cy="369332"/>
           </a:xfrm>
           <a:prstGeom prst="rect">
@@ -4441,7 +4512,7 @@
         </p:nvSpPr>
         <p:spPr>
           <a:xfrm>
-            <a:off x="1325980" y="566124"/>
+            <a:off x="1339515" y="633301"/>
             <a:ext cx="2023812" cy="369332"/>
           </a:xfrm>
           <a:prstGeom prst="rect">
@@ -4484,7 +4555,7 @@
         </p:nvSpPr>
         <p:spPr>
           <a:xfrm>
-            <a:off x="3349791" y="1023686"/>
+            <a:off x="3363326" y="1090863"/>
             <a:ext cx="1652337" cy="320842"/>
           </a:xfrm>
           <a:prstGeom prst="rect">
@@ -4540,7 +4611,7 @@
         </p:nvSpPr>
         <p:spPr>
           <a:xfrm>
-            <a:off x="1390148" y="975196"/>
+            <a:off x="1403683" y="1042373"/>
             <a:ext cx="2023812" cy="369332"/>
           </a:xfrm>
           <a:prstGeom prst="rect">
@@ -4561,92 +4632,12 @@
           </a:p>
         </p:txBody>
       </p:sp>
-      <p:cxnSp>
-        <p:nvCxnSpPr>
-          <p:cNvPr id="17" name="Gerade Verbindung mit Pfeil 16">
-            <a:extLst>
-              <a:ext uri="{FF2B5EF4-FFF2-40B4-BE49-F238E27FC236}">
-                <a16:creationId xmlns:a16="http://schemas.microsoft.com/office/drawing/2014/main" id="{5B1C0AAB-A9C8-4897-BCF0-F8CDC0FC5F32}"/>
-              </a:ext>
-            </a:extLst>
-          </p:cNvPr>
-          <p:cNvCxnSpPr>
-            <a:cxnSpLocks/>
-          </p:cNvCxnSpPr>
-          <p:nvPr/>
-        </p:nvCxnSpPr>
-        <p:spPr>
-          <a:xfrm flipV="1">
-            <a:off x="1852863" y="4804610"/>
-            <a:ext cx="0" cy="1114926"/>
-          </a:xfrm>
-          <a:prstGeom prst="straightConnector1">
-            <a:avLst/>
-          </a:prstGeom>
-          <a:ln>
-            <a:tailEnd type="triangle"/>
-          </a:ln>
-        </p:spPr>
-        <p:style>
-          <a:lnRef idx="1">
-            <a:schemeClr val="accent1"/>
-          </a:lnRef>
-          <a:fillRef idx="0">
-            <a:schemeClr val="accent1"/>
-          </a:fillRef>
-          <a:effectRef idx="0">
-            <a:schemeClr val="accent1"/>
-          </a:effectRef>
-          <a:fontRef idx="minor">
-            <a:schemeClr val="tx1"/>
-          </a:fontRef>
-        </p:style>
-      </p:cxnSp>
-      <p:cxnSp>
-        <p:nvCxnSpPr>
-          <p:cNvPr id="18" name="Gerade Verbindung mit Pfeil 17">
-            <a:extLst>
-              <a:ext uri="{FF2B5EF4-FFF2-40B4-BE49-F238E27FC236}">
-                <a16:creationId xmlns:a16="http://schemas.microsoft.com/office/drawing/2014/main" id="{0C2189AC-D182-45B2-AF2D-F86BD922F83B}"/>
-              </a:ext>
-            </a:extLst>
-          </p:cNvPr>
-          <p:cNvCxnSpPr/>
-          <p:nvPr/>
-        </p:nvCxnSpPr>
-        <p:spPr>
-          <a:xfrm>
-            <a:off x="1660358" y="5666873"/>
-            <a:ext cx="4836695" cy="0"/>
-          </a:xfrm>
-          <a:prstGeom prst="straightConnector1">
-            <a:avLst/>
-          </a:prstGeom>
-          <a:ln>
-            <a:tailEnd type="triangle"/>
-          </a:ln>
-        </p:spPr>
-        <p:style>
-          <a:lnRef idx="1">
-            <a:schemeClr val="accent1"/>
-          </a:lnRef>
-          <a:fillRef idx="0">
-            <a:schemeClr val="accent1"/>
-          </a:fillRef>
-          <a:effectRef idx="0">
-            <a:schemeClr val="accent1"/>
-          </a:effectRef>
-          <a:fontRef idx="minor">
-            <a:schemeClr val="tx1"/>
-          </a:fontRef>
-        </p:style>
-      </p:cxnSp>
-      <p:sp>
-        <p:nvSpPr>
-          <p:cNvPr id="3" name="Textfeld 2">
-            <a:extLst>
-              <a:ext uri="{FF2B5EF4-FFF2-40B4-BE49-F238E27FC236}">
-                <a16:creationId xmlns:a16="http://schemas.microsoft.com/office/drawing/2014/main" id="{8AD6803B-AB68-4DEF-B1C3-BD3AAFB7DE62}"/>
+      <p:sp>
+        <p:nvSpPr>
+          <p:cNvPr id="17" name="Textfeld 16">
+            <a:extLst>
+              <a:ext uri="{FF2B5EF4-FFF2-40B4-BE49-F238E27FC236}">
+                <a16:creationId xmlns:a16="http://schemas.microsoft.com/office/drawing/2014/main" id="{B2D871BD-72BC-44D3-9196-B54483A18E6F}"/>
               </a:ext>
             </a:extLst>
           </p:cNvPr>
@@ -4655,7 +4646,7 @@
         </p:nvSpPr>
         <p:spPr>
           <a:xfrm>
-            <a:off x="1403683" y="2743200"/>
+            <a:off x="1315450" y="2767263"/>
             <a:ext cx="729910" cy="369332"/>
           </a:xfrm>
           <a:prstGeom prst="rect">
@@ -4678,45 +4669,10 @@
       </p:sp>
       <p:sp>
         <p:nvSpPr>
-          <p:cNvPr id="19" name="Textfeld 18">
-            <a:extLst>
-              <a:ext uri="{FF2B5EF4-FFF2-40B4-BE49-F238E27FC236}">
-                <a16:creationId xmlns:a16="http://schemas.microsoft.com/office/drawing/2014/main" id="{CB1C7C4D-F13F-4767-927F-AD511A08324C}"/>
-              </a:ext>
-            </a:extLst>
-          </p:cNvPr>
-          <p:cNvSpPr txBox="1"/>
-          <p:nvPr/>
-        </p:nvSpPr>
-        <p:spPr>
-          <a:xfrm>
-            <a:off x="1403683" y="4472100"/>
-            <a:ext cx="729910" cy="369332"/>
-          </a:xfrm>
-          <a:prstGeom prst="rect">
-            <a:avLst/>
-          </a:prstGeom>
-          <a:noFill/>
-        </p:spPr>
-        <p:txBody>
-          <a:bodyPr wrap="square" rtlCol="0">
-            <a:spAutoFit/>
-          </a:bodyPr>
-          <a:lstStyle/>
-          <a:p>
-            <a:r>
-              <a:rPr lang="de-DE" dirty="0"/>
-              <a:t>BTC</a:t>
-            </a:r>
-          </a:p>
-        </p:txBody>
-      </p:sp>
-      <p:sp>
-        <p:nvSpPr>
-          <p:cNvPr id="20" name="Rechteck 19">
-            <a:extLst>
-              <a:ext uri="{FF2B5EF4-FFF2-40B4-BE49-F238E27FC236}">
-                <a16:creationId xmlns:a16="http://schemas.microsoft.com/office/drawing/2014/main" id="{46057037-D52F-47CE-82D1-266E6B0B45D9}"/>
+          <p:cNvPr id="18" name="Rechteck 17">
+            <a:extLst>
+              <a:ext uri="{FF2B5EF4-FFF2-40B4-BE49-F238E27FC236}">
+                <a16:creationId xmlns:a16="http://schemas.microsoft.com/office/drawing/2014/main" id="{DC538A33-AA41-4EB8-BBAE-D7B6942F0772}"/>
               </a:ext>
             </a:extLst>
           </p:cNvPr>
@@ -4725,8 +4681,8 @@
         </p:nvSpPr>
         <p:spPr>
           <a:xfrm>
-            <a:off x="7515726" y="2446421"/>
-            <a:ext cx="4577515" cy="4195010"/>
+            <a:off x="3363326" y="1515980"/>
+            <a:ext cx="1652337" cy="320842"/>
           </a:xfrm>
           <a:prstGeom prst="rect">
             <a:avLst/>
@@ -4756,16 +4712,31 @@
           <a:lstStyle/>
           <a:p>
             <a:pPr algn="ctr"/>
-            <a:endParaRPr lang="de-DE"/>
-          </a:p>
-        </p:txBody>
-      </p:sp>
-      <p:sp>
-        <p:nvSpPr>
-          <p:cNvPr id="7" name="Textfeld 6">
-            <a:extLst>
-              <a:ext uri="{FF2B5EF4-FFF2-40B4-BE49-F238E27FC236}">
-                <a16:creationId xmlns:a16="http://schemas.microsoft.com/office/drawing/2014/main" id="{818AD98D-E952-493F-A4D6-54DB72EAC8BF}"/>
+            <a:r>
+              <a:rPr lang="de-DE" sz="1200" dirty="0" err="1">
+                <a:solidFill>
+                  <a:schemeClr val="tx1"/>
+                </a:solidFill>
+              </a:rPr>
+              <a:t>Cumulated</a:t>
+            </a:r>
+            <a:r>
+              <a:rPr lang="de-DE" sz="1200" dirty="0">
+                <a:solidFill>
+                  <a:schemeClr val="tx1"/>
+                </a:solidFill>
+              </a:rPr>
+              <a:t>/individual</a:t>
+            </a:r>
+          </a:p>
+        </p:txBody>
+      </p:sp>
+      <p:sp>
+        <p:nvSpPr>
+          <p:cNvPr id="19" name="Textfeld 18">
+            <a:extLst>
+              <a:ext uri="{FF2B5EF4-FFF2-40B4-BE49-F238E27FC236}">
+                <a16:creationId xmlns:a16="http://schemas.microsoft.com/office/drawing/2014/main" id="{5A2FF872-68F1-4FBF-95B2-6A8EC9A6B84B}"/>
               </a:ext>
             </a:extLst>
           </p:cNvPr>
@@ -4774,8 +4745,8 @@
         </p:nvSpPr>
         <p:spPr>
           <a:xfrm>
-            <a:off x="7625515" y="2654968"/>
-            <a:ext cx="4467726" cy="369332"/>
+            <a:off x="1403683" y="1467490"/>
+            <a:ext cx="2023812" cy="369332"/>
           </a:xfrm>
           <a:prstGeom prst="rect">
             <a:avLst/>
@@ -4790,25 +4761,17 @@
           <a:p>
             <a:r>
               <a:rPr lang="de-DE" dirty="0"/>
-              <a:t>Date | </a:t>
-            </a:r>
-            <a:r>
-              <a:rPr lang="de-DE" dirty="0" err="1"/>
-              <a:t>Reward</a:t>
-            </a:r>
-            <a:r>
-              <a:rPr lang="de-DE" dirty="0"/>
-              <a:t> | Commission1 | Commision2</a:t>
-            </a:r>
-          </a:p>
-        </p:txBody>
-      </p:sp>
-      <p:sp>
-        <p:nvSpPr>
-          <p:cNvPr id="21" name="Rechteck 20">
-            <a:extLst>
-              <a:ext uri="{FF2B5EF4-FFF2-40B4-BE49-F238E27FC236}">
-                <a16:creationId xmlns:a16="http://schemas.microsoft.com/office/drawing/2014/main" id="{369BFB61-CDDD-46B8-8972-D4BA5B0A81C5}"/>
+              <a:t>Evaluation:</a:t>
+            </a:r>
+          </a:p>
+        </p:txBody>
+      </p:sp>
+      <p:sp>
+        <p:nvSpPr>
+          <p:cNvPr id="20" name="Rechteck 19">
+            <a:extLst>
+              <a:ext uri="{FF2B5EF4-FFF2-40B4-BE49-F238E27FC236}">
+                <a16:creationId xmlns:a16="http://schemas.microsoft.com/office/drawing/2014/main" id="{CF2DC8DB-6966-4B34-9622-0375785CF77B}"/>
               </a:ext>
             </a:extLst>
           </p:cNvPr>
@@ -4817,8 +4780,8 @@
         </p:nvSpPr>
         <p:spPr>
           <a:xfrm>
-            <a:off x="3349792" y="1457143"/>
-            <a:ext cx="1652337" cy="320842"/>
+            <a:off x="7515726" y="2446421"/>
+            <a:ext cx="4577515" cy="4195010"/>
           </a:xfrm>
           <a:prstGeom prst="rect">
             <a:avLst/>
@@ -4848,64 +4811,229 @@
           <a:lstStyle/>
           <a:p>
             <a:pPr algn="ctr"/>
-            <a:r>
-              <a:rPr lang="de-DE" sz="1200" dirty="0" err="1">
+            <a:endParaRPr lang="de-DE"/>
+          </a:p>
+        </p:txBody>
+      </p:sp>
+      <p:sp>
+        <p:nvSpPr>
+          <p:cNvPr id="21" name="Textfeld 20">
+            <a:extLst>
+              <a:ext uri="{FF2B5EF4-FFF2-40B4-BE49-F238E27FC236}">
+                <a16:creationId xmlns:a16="http://schemas.microsoft.com/office/drawing/2014/main" id="{033AC597-7D24-4B0E-8FEE-4307029278C5}"/>
+              </a:ext>
+            </a:extLst>
+          </p:cNvPr>
+          <p:cNvSpPr txBox="1"/>
+          <p:nvPr/>
+        </p:nvSpPr>
+        <p:spPr>
+          <a:xfrm>
+            <a:off x="7625515" y="2654968"/>
+            <a:ext cx="4467726" cy="369332"/>
+          </a:xfrm>
+          <a:prstGeom prst="rect">
+            <a:avLst/>
+          </a:prstGeom>
+          <a:noFill/>
+        </p:spPr>
+        <p:txBody>
+          <a:bodyPr wrap="square" rtlCol="0">
+            <a:spAutoFit/>
+          </a:bodyPr>
+          <a:lstStyle/>
+          <a:p>
+            <a:r>
+              <a:rPr lang="de-DE" dirty="0"/>
+              <a:t>Date| Total in Fiat | </a:t>
+            </a:r>
+            <a:r>
+              <a:rPr lang="de-DE" dirty="0" err="1"/>
+              <a:t>Reward</a:t>
+            </a:r>
+            <a:r>
+              <a:rPr lang="de-DE" dirty="0"/>
+              <a:t> | DFI </a:t>
+            </a:r>
+          </a:p>
+        </p:txBody>
+      </p:sp>
+      <p:sp>
+        <p:nvSpPr>
+          <p:cNvPr id="22" name="Rechteck 21">
+            <a:extLst>
+              <a:ext uri="{FF2B5EF4-FFF2-40B4-BE49-F238E27FC236}">
+                <a16:creationId xmlns:a16="http://schemas.microsoft.com/office/drawing/2014/main" id="{015F54E7-5D34-4E89-A57C-FE3D9E6C01E6}"/>
+              </a:ext>
+            </a:extLst>
+          </p:cNvPr>
+          <p:cNvSpPr/>
+          <p:nvPr/>
+        </p:nvSpPr>
+        <p:spPr>
+          <a:xfrm>
+            <a:off x="3232484" y="1897890"/>
+            <a:ext cx="1828800" cy="428625"/>
+          </a:xfrm>
+          <a:prstGeom prst="rect">
+            <a:avLst/>
+          </a:prstGeom>
+        </p:spPr>
+        <p:style>
+          <a:lnRef idx="2">
+            <a:schemeClr val="accent1">
+              <a:shade val="50000"/>
+            </a:schemeClr>
+          </a:lnRef>
+          <a:fillRef idx="1">
+            <a:schemeClr val="accent1"/>
+          </a:fillRef>
+          <a:effectRef idx="0">
+            <a:schemeClr val="accent1"/>
+          </a:effectRef>
+          <a:fontRef idx="minor">
+            <a:schemeClr val="lt1"/>
+          </a:fontRef>
+        </p:style>
+        <p:txBody>
+          <a:bodyPr rtlCol="0" anchor="ctr"/>
+          <a:lstStyle/>
+          <a:p>
+            <a:pPr algn="ctr"/>
+            <a:r>
+              <a:rPr lang="de-DE" dirty="0" err="1"/>
+              <a:t>Rewards</a:t>
+            </a:r>
+            <a:endParaRPr lang="de-DE" dirty="0"/>
+          </a:p>
+        </p:txBody>
+      </p:sp>
+      <p:sp>
+        <p:nvSpPr>
+          <p:cNvPr id="23" name="Rechteck 22">
+            <a:extLst>
+              <a:ext uri="{FF2B5EF4-FFF2-40B4-BE49-F238E27FC236}">
+                <a16:creationId xmlns:a16="http://schemas.microsoft.com/office/drawing/2014/main" id="{72BF2B3D-8684-4CBF-B202-290C67710BAE}"/>
+              </a:ext>
+            </a:extLst>
+          </p:cNvPr>
+          <p:cNvSpPr/>
+          <p:nvPr/>
+        </p:nvSpPr>
+        <p:spPr>
+          <a:xfrm>
+            <a:off x="5181600" y="1897890"/>
+            <a:ext cx="1828800" cy="428625"/>
+          </a:xfrm>
+          <a:prstGeom prst="rect">
+            <a:avLst/>
+          </a:prstGeom>
+          <a:solidFill>
+            <a:schemeClr val="bg1"/>
+          </a:solidFill>
+        </p:spPr>
+        <p:style>
+          <a:lnRef idx="2">
+            <a:schemeClr val="accent1">
+              <a:shade val="50000"/>
+            </a:schemeClr>
+          </a:lnRef>
+          <a:fillRef idx="1">
+            <a:schemeClr val="accent1"/>
+          </a:fillRef>
+          <a:effectRef idx="0">
+            <a:schemeClr val="accent1"/>
+          </a:effectRef>
+          <a:fontRef idx="minor">
+            <a:schemeClr val="lt1"/>
+          </a:fontRef>
+        </p:style>
+        <p:txBody>
+          <a:bodyPr rtlCol="0" anchor="ctr"/>
+          <a:lstStyle/>
+          <a:p>
+            <a:pPr algn="ctr"/>
+            <a:r>
+              <a:rPr lang="de-DE" dirty="0" err="1">
                 <a:solidFill>
                   <a:schemeClr val="tx1"/>
                 </a:solidFill>
               </a:rPr>
-              <a:t>Cumulated</a:t>
-            </a:r>
-            <a:r>
-              <a:rPr lang="de-DE" sz="1200" dirty="0">
+              <a:t>Commission</a:t>
+            </a:r>
+            <a:endParaRPr lang="de-DE" dirty="0">
+              <a:solidFill>
+                <a:schemeClr val="tx1"/>
+              </a:solidFill>
+            </a:endParaRPr>
+          </a:p>
+        </p:txBody>
+      </p:sp>
+      <p:sp>
+        <p:nvSpPr>
+          <p:cNvPr id="24" name="Rechteck 23">
+            <a:extLst>
+              <a:ext uri="{FF2B5EF4-FFF2-40B4-BE49-F238E27FC236}">
+                <a16:creationId xmlns:a16="http://schemas.microsoft.com/office/drawing/2014/main" id="{0DF7498D-8AD6-4E6E-8965-2B511709B2E2}"/>
+              </a:ext>
+            </a:extLst>
+          </p:cNvPr>
+          <p:cNvSpPr/>
+          <p:nvPr/>
+        </p:nvSpPr>
+        <p:spPr>
+          <a:xfrm>
+            <a:off x="1325980" y="1896089"/>
+            <a:ext cx="1828800" cy="428625"/>
+          </a:xfrm>
+          <a:prstGeom prst="rect">
+            <a:avLst/>
+          </a:prstGeom>
+          <a:solidFill>
+            <a:schemeClr val="bg1"/>
+          </a:solidFill>
+        </p:spPr>
+        <p:style>
+          <a:lnRef idx="2">
+            <a:schemeClr val="accent1">
+              <a:shade val="50000"/>
+            </a:schemeClr>
+          </a:lnRef>
+          <a:fillRef idx="1">
+            <a:schemeClr val="accent1"/>
+          </a:fillRef>
+          <a:effectRef idx="0">
+            <a:schemeClr val="accent1"/>
+          </a:effectRef>
+          <a:fontRef idx="minor">
+            <a:schemeClr val="lt1"/>
+          </a:fontRef>
+        </p:style>
+        <p:txBody>
+          <a:bodyPr rtlCol="0" anchor="ctr"/>
+          <a:lstStyle/>
+          <a:p>
+            <a:pPr algn="ctr"/>
+            <a:r>
+              <a:rPr lang="de-DE" dirty="0" err="1">
                 <a:solidFill>
                   <a:schemeClr val="tx1"/>
                 </a:solidFill>
               </a:rPr>
-              <a:t>/individual</a:t>
-            </a:r>
-          </a:p>
-        </p:txBody>
-      </p:sp>
-      <p:sp>
-        <p:nvSpPr>
-          <p:cNvPr id="22" name="Textfeld 21">
-            <a:extLst>
-              <a:ext uri="{FF2B5EF4-FFF2-40B4-BE49-F238E27FC236}">
-                <a16:creationId xmlns:a16="http://schemas.microsoft.com/office/drawing/2014/main" id="{FEAFAC05-7E30-4EF6-AC7D-C544A952D815}"/>
-              </a:ext>
-            </a:extLst>
-          </p:cNvPr>
-          <p:cNvSpPr txBox="1"/>
-          <p:nvPr/>
-        </p:nvSpPr>
-        <p:spPr>
-          <a:xfrm>
-            <a:off x="1390149" y="1408653"/>
-            <a:ext cx="2023812" cy="369332"/>
-          </a:xfrm>
-          <a:prstGeom prst="rect">
-            <a:avLst/>
-          </a:prstGeom>
-          <a:noFill/>
-        </p:spPr>
-        <p:txBody>
-          <a:bodyPr wrap="square" rtlCol="0">
-            <a:spAutoFit/>
-          </a:bodyPr>
-          <a:lstStyle/>
-          <a:p>
-            <a:r>
-              <a:rPr lang="de-DE" dirty="0"/>
-              <a:t>Evaluation:</a:t>
-            </a:r>
+              <a:t>Overview</a:t>
+            </a:r>
+            <a:endParaRPr lang="de-DE" dirty="0">
+              <a:solidFill>
+                <a:schemeClr val="tx1"/>
+              </a:solidFill>
+            </a:endParaRPr>
           </a:p>
         </p:txBody>
       </p:sp>
     </p:spTree>
     <p:extLst>
       <p:ext uri="{BB962C8B-B14F-4D97-AF65-F5344CB8AC3E}">
-        <p14:creationId xmlns:p14="http://schemas.microsoft.com/office/powerpoint/2010/main" val="1303387312"/>
+        <p14:creationId xmlns:p14="http://schemas.microsoft.com/office/powerpoint/2010/main" val="3697001217"/>
       </p:ext>
     </p:extLst>
   </p:cSld>
@@ -4946,7 +5074,7 @@
         </p:nvSpPr>
         <p:spPr>
           <a:xfrm>
-            <a:off x="3349791" y="1901628"/>
+            <a:off x="3232484" y="1897890"/>
             <a:ext cx="1828800" cy="428625"/>
           </a:xfrm>
           <a:prstGeom prst="rect">
@@ -5007,15 +5135,12 @@
         </p:nvSpPr>
         <p:spPr>
           <a:xfrm>
-            <a:off x="5298907" y="1901628"/>
+            <a:off x="5181600" y="1897890"/>
             <a:ext cx="1828800" cy="428625"/>
           </a:xfrm>
           <a:prstGeom prst="rect">
             <a:avLst/>
           </a:prstGeom>
-          <a:solidFill>
-            <a:schemeClr val="bg1"/>
-          </a:solidFill>
         </p:spPr>
         <p:style>
           <a:lnRef idx="2">
@@ -5039,18 +5164,10 @@
           <a:p>
             <a:pPr algn="ctr"/>
             <a:r>
-              <a:rPr lang="de-DE" dirty="0" err="1">
-                <a:solidFill>
-                  <a:schemeClr val="tx1"/>
-                </a:solidFill>
-              </a:rPr>
+              <a:rPr lang="de-DE" dirty="0" err="1"/>
               <a:t>Commission</a:t>
             </a:r>
-            <a:endParaRPr lang="de-DE" dirty="0">
-              <a:solidFill>
-                <a:schemeClr val="tx1"/>
-              </a:solidFill>
-            </a:endParaRPr>
+            <a:endParaRPr lang="de-DE" dirty="0"/>
           </a:p>
         </p:txBody>
       </p:sp>
@@ -5120,7 +5237,7 @@
         <p:spPr>
           <a:xfrm flipV="1">
             <a:off x="1820779" y="2951747"/>
-            <a:ext cx="0" cy="2967790"/>
+            <a:ext cx="0" cy="1114926"/>
           </a:xfrm>
           <a:prstGeom prst="straightConnector1">
             <a:avLst/>
@@ -5158,7 +5275,7 @@
         </p:nvCxnSpPr>
         <p:spPr>
           <a:xfrm>
-            <a:off x="1676400" y="5731041"/>
+            <a:off x="1628274" y="3814010"/>
             <a:ext cx="4836695" cy="0"/>
           </a:xfrm>
           <a:prstGeom prst="straightConnector1">
@@ -5477,6 +5594,86 @@
           </a:p>
         </p:txBody>
       </p:sp>
+      <p:cxnSp>
+        <p:nvCxnSpPr>
+          <p:cNvPr id="17" name="Gerade Verbindung mit Pfeil 16">
+            <a:extLst>
+              <a:ext uri="{FF2B5EF4-FFF2-40B4-BE49-F238E27FC236}">
+                <a16:creationId xmlns:a16="http://schemas.microsoft.com/office/drawing/2014/main" id="{5B1C0AAB-A9C8-4897-BCF0-F8CDC0FC5F32}"/>
+              </a:ext>
+            </a:extLst>
+          </p:cNvPr>
+          <p:cNvCxnSpPr>
+            <a:cxnSpLocks/>
+          </p:cNvCxnSpPr>
+          <p:nvPr/>
+        </p:nvCxnSpPr>
+        <p:spPr>
+          <a:xfrm flipV="1">
+            <a:off x="1852863" y="4804610"/>
+            <a:ext cx="0" cy="1114926"/>
+          </a:xfrm>
+          <a:prstGeom prst="straightConnector1">
+            <a:avLst/>
+          </a:prstGeom>
+          <a:ln>
+            <a:tailEnd type="triangle"/>
+          </a:ln>
+        </p:spPr>
+        <p:style>
+          <a:lnRef idx="1">
+            <a:schemeClr val="accent1"/>
+          </a:lnRef>
+          <a:fillRef idx="0">
+            <a:schemeClr val="accent1"/>
+          </a:fillRef>
+          <a:effectRef idx="0">
+            <a:schemeClr val="accent1"/>
+          </a:effectRef>
+          <a:fontRef idx="minor">
+            <a:schemeClr val="tx1"/>
+          </a:fontRef>
+        </p:style>
+      </p:cxnSp>
+      <p:cxnSp>
+        <p:nvCxnSpPr>
+          <p:cNvPr id="18" name="Gerade Verbindung mit Pfeil 17">
+            <a:extLst>
+              <a:ext uri="{FF2B5EF4-FFF2-40B4-BE49-F238E27FC236}">
+                <a16:creationId xmlns:a16="http://schemas.microsoft.com/office/drawing/2014/main" id="{0C2189AC-D182-45B2-AF2D-F86BD922F83B}"/>
+              </a:ext>
+            </a:extLst>
+          </p:cNvPr>
+          <p:cNvCxnSpPr/>
+          <p:nvPr/>
+        </p:nvCxnSpPr>
+        <p:spPr>
+          <a:xfrm>
+            <a:off x="1660358" y="5666873"/>
+            <a:ext cx="4836695" cy="0"/>
+          </a:xfrm>
+          <a:prstGeom prst="straightConnector1">
+            <a:avLst/>
+          </a:prstGeom>
+          <a:ln>
+            <a:tailEnd type="triangle"/>
+          </a:ln>
+        </p:spPr>
+        <p:style>
+          <a:lnRef idx="1">
+            <a:schemeClr val="accent1"/>
+          </a:lnRef>
+          <a:fillRef idx="0">
+            <a:schemeClr val="accent1"/>
+          </a:fillRef>
+          <a:effectRef idx="0">
+            <a:schemeClr val="accent1"/>
+          </a:effectRef>
+          <a:fontRef idx="minor">
+            <a:schemeClr val="tx1"/>
+          </a:fontRef>
+        </p:style>
+      </p:cxnSp>
       <p:sp>
         <p:nvSpPr>
           <p:cNvPr id="3" name="Textfeld 2">
@@ -5491,8 +5688,8 @@
         </p:nvSpPr>
         <p:spPr>
           <a:xfrm>
-            <a:off x="1390148" y="2560540"/>
-            <a:ext cx="2253917" cy="369332"/>
+            <a:off x="1403683" y="2743200"/>
+            <a:ext cx="729910" cy="369332"/>
           </a:xfrm>
           <a:prstGeom prst="rect">
             <a:avLst/>
@@ -5507,15 +5704,42 @@
           <a:p>
             <a:r>
               <a:rPr lang="de-DE" dirty="0"/>
-              <a:t>EUR (</a:t>
-            </a:r>
-            <a:r>
-              <a:rPr lang="de-DE" dirty="0" err="1"/>
-              <a:t>prefered</a:t>
-            </a:r>
+              <a:t>DFI</a:t>
+            </a:r>
+          </a:p>
+        </p:txBody>
+      </p:sp>
+      <p:sp>
+        <p:nvSpPr>
+          <p:cNvPr id="19" name="Textfeld 18">
+            <a:extLst>
+              <a:ext uri="{FF2B5EF4-FFF2-40B4-BE49-F238E27FC236}">
+                <a16:creationId xmlns:a16="http://schemas.microsoft.com/office/drawing/2014/main" id="{CB1C7C4D-F13F-4767-927F-AD511A08324C}"/>
+              </a:ext>
+            </a:extLst>
+          </p:cNvPr>
+          <p:cNvSpPr txBox="1"/>
+          <p:nvPr/>
+        </p:nvSpPr>
+        <p:spPr>
+          <a:xfrm>
+            <a:off x="1403683" y="4472100"/>
+            <a:ext cx="729910" cy="369332"/>
+          </a:xfrm>
+          <a:prstGeom prst="rect">
+            <a:avLst/>
+          </a:prstGeom>
+          <a:noFill/>
+        </p:spPr>
+        <p:txBody>
+          <a:bodyPr wrap="square" rtlCol="0">
+            <a:spAutoFit/>
+          </a:bodyPr>
+          <a:lstStyle/>
+          <a:p>
             <a:r>
               <a:rPr lang="de-DE" dirty="0"/>
-              <a:t> FIAT)</a:t>
+              <a:t>BTC</a:t>
             </a:r>
           </a:p>
         </p:txBody>
@@ -5716,7 +5940,7 @@
           <p:cNvPr id="23" name="Rechteck 22">
             <a:extLst>
               <a:ext uri="{FF2B5EF4-FFF2-40B4-BE49-F238E27FC236}">
-                <a16:creationId xmlns:a16="http://schemas.microsoft.com/office/drawing/2014/main" id="{34AA01BC-BCD5-43FD-B1F1-2007C6863594}"/>
+                <a16:creationId xmlns:a16="http://schemas.microsoft.com/office/drawing/2014/main" id="{4F727385-07F3-4FA4-A695-E8AA6873D66F}"/>
               </a:ext>
             </a:extLst>
           </p:cNvPr>
@@ -5725,12 +5949,15 @@
         </p:nvSpPr>
         <p:spPr>
           <a:xfrm>
-            <a:off x="1390148" y="1914866"/>
+            <a:off x="1325980" y="1896089"/>
             <a:ext cx="1828800" cy="428625"/>
           </a:xfrm>
           <a:prstGeom prst="rect">
             <a:avLst/>
           </a:prstGeom>
+          <a:solidFill>
+            <a:schemeClr val="bg1"/>
+          </a:solidFill>
         </p:spPr>
         <p:style>
           <a:lnRef idx="2">
@@ -5754,17 +5981,25 @@
           <a:p>
             <a:pPr algn="ctr"/>
             <a:r>
-              <a:rPr lang="de-DE" dirty="0" err="1"/>
+              <a:rPr lang="de-DE" dirty="0" err="1">
+                <a:solidFill>
+                  <a:schemeClr val="tx1"/>
+                </a:solidFill>
+              </a:rPr>
               <a:t>Overview</a:t>
             </a:r>
-            <a:endParaRPr lang="de-DE" dirty="0"/>
+            <a:endParaRPr lang="de-DE" dirty="0">
+              <a:solidFill>
+                <a:schemeClr val="tx1"/>
+              </a:solidFill>
+            </a:endParaRPr>
           </a:p>
         </p:txBody>
       </p:sp>
     </p:spTree>
     <p:extLst>
       <p:ext uri="{BB962C8B-B14F-4D97-AF65-F5344CB8AC3E}">
-        <p14:creationId xmlns:p14="http://schemas.microsoft.com/office/powerpoint/2010/main" val="3848512076"/>
+        <p14:creationId xmlns:p14="http://schemas.microsoft.com/office/powerpoint/2010/main" val="1303387312"/>
       </p:ext>
     </p:extLst>
   </p:cSld>
